--- a/Kojak.pptx
+++ b/Kojak.pptx
@@ -19,8 +19,10 @@
     <p:sldId id="274" r:id="rId13"/>
     <p:sldId id="275" r:id="rId14"/>
     <p:sldId id="268" r:id="rId15"/>
-    <p:sldId id="265" r:id="rId16"/>
-    <p:sldId id="266" r:id="rId17"/>
+    <p:sldId id="276" r:id="rId16"/>
+    <p:sldId id="277" r:id="rId17"/>
+    <p:sldId id="278" r:id="rId18"/>
+    <p:sldId id="266" r:id="rId19"/>
   </p:sldIdLst>
   <p:sldSz cx="9144000" cy="6858000" type="screen4x3"/>
   <p:notesSz cx="6858000" cy="9144000"/>
@@ -3381,6 +3383,13 @@
   <p:clrMapOvr>
     <a:masterClrMapping/>
   </p:clrMapOvr>
+  <p:timing>
+    <p:tnLst>
+      <p:par>
+        <p:cTn xmlns:p14="http://schemas.microsoft.com/office/powerpoint/2010/main" id="1" dur="indefinite" restart="never" nodeType="tmRoot"/>
+      </p:par>
+    </p:tnLst>
+  </p:timing>
 </p:sld>
 </file>
 
@@ -3441,6 +3450,13 @@
   <p:clrMapOvr>
     <a:masterClrMapping/>
   </p:clrMapOvr>
+  <p:timing>
+    <p:tnLst>
+      <p:par>
+        <p:cTn xmlns:p14="http://schemas.microsoft.com/office/powerpoint/2010/main" id="1" dur="indefinite" restart="never" nodeType="tmRoot"/>
+      </p:par>
+    </p:tnLst>
+  </p:timing>
 </p:sld>
 </file>
 
@@ -3477,10 +3493,16 @@
           <a:lstStyle/>
           <a:p>
             <a:r>
-              <a:rPr lang="en-US" dirty="0" smtClean="0"/>
-              <a:t>[Second Look At Tempo]</a:t>
-            </a:r>
-            <a:endParaRPr lang="en-US" dirty="0"/>
+              <a:rPr lang="en-US" dirty="0" smtClean="0">
+                <a:latin typeface="Helvetica"/>
+                <a:cs typeface="Helvetica"/>
+              </a:rPr>
+              <a:t>But what about musical parameters?</a:t>
+            </a:r>
+            <a:endParaRPr lang="en-US" dirty="0">
+              <a:latin typeface="Helvetica"/>
+              <a:cs typeface="Helvetica"/>
+            </a:endParaRPr>
           </a:p>
         </p:txBody>
       </p:sp>
@@ -3523,7 +3545,7 @@
       </p:grpSpPr>
       <p:pic>
         <p:nvPicPr>
-          <p:cNvPr id="2" name="Picture 1" descr="track_tempos.png"/>
+          <p:cNvPr id="3" name="Picture 2" descr="track_tempos.png"/>
           <p:cNvPicPr>
             <a:picLocks noChangeAspect="1"/>
           </p:cNvPicPr>
@@ -3543,8 +3565,8 @@
         </p:blipFill>
         <p:spPr>
           <a:xfrm>
-            <a:off x="-1" y="-1"/>
-            <a:ext cx="9169775" cy="6519333"/>
+            <a:off x="0" y="2981"/>
+            <a:ext cx="9144000" cy="6400800"/>
           </a:xfrm>
           <a:prstGeom prst="rect">
             <a:avLst/>
@@ -3554,7 +3576,7 @@
     </p:spTree>
     <p:extLst>
       <p:ext uri="{BB962C8B-B14F-4D97-AF65-F5344CB8AC3E}">
-        <p14:creationId xmlns:p14="http://schemas.microsoft.com/office/powerpoint/2010/main" val="818724936"/>
+        <p14:creationId xmlns:p14="http://schemas.microsoft.com/office/powerpoint/2010/main" val="2994573721"/>
       </p:ext>
     </p:extLst>
   </p:cSld>
@@ -3572,6 +3594,133 @@
 </file>
 
 <file path=ppt/slides/slide16.xml><?xml version="1.0" encoding="utf-8"?>
+<p:sld xmlns:a="http://schemas.openxmlformats.org/drawingml/2006/main" xmlns:r="http://schemas.openxmlformats.org/officeDocument/2006/relationships" xmlns:p="http://schemas.openxmlformats.org/presentationml/2006/main">
+  <p:cSld>
+    <p:spTree>
+      <p:nvGrpSpPr>
+        <p:cNvPr id="1" name=""/>
+        <p:cNvGrpSpPr/>
+        <p:nvPr/>
+      </p:nvGrpSpPr>
+      <p:grpSpPr>
+        <a:xfrm>
+          <a:off x="0" y="0"/>
+          <a:ext cx="0" cy="0"/>
+          <a:chOff x="0" y="0"/>
+          <a:chExt cx="0" cy="0"/>
+        </a:xfrm>
+      </p:grpSpPr>
+      <p:pic>
+        <p:nvPicPr>
+          <p:cNvPr id="3" name="Picture 2" descr="track_tempos(1).png"/>
+          <p:cNvPicPr>
+            <a:picLocks noChangeAspect="1"/>
+          </p:cNvPicPr>
+          <p:nvPr/>
+        </p:nvPicPr>
+        <p:blipFill>
+          <a:blip r:embed="rId2">
+            <a:extLst>
+              <a:ext uri="{28A0092B-C50C-407E-A947-70E740481C1C}">
+                <a14:useLocalDpi xmlns:a14="http://schemas.microsoft.com/office/drawing/2010/main" val="0"/>
+              </a:ext>
+            </a:extLst>
+          </a:blip>
+          <a:stretch>
+            <a:fillRect/>
+          </a:stretch>
+        </p:blipFill>
+        <p:spPr>
+          <a:xfrm>
+            <a:off x="0" y="0"/>
+            <a:ext cx="9144000" cy="6400800"/>
+          </a:xfrm>
+          <a:prstGeom prst="rect">
+            <a:avLst/>
+          </a:prstGeom>
+        </p:spPr>
+      </p:pic>
+    </p:spTree>
+    <p:extLst>
+      <p:ext uri="{BB962C8B-B14F-4D97-AF65-F5344CB8AC3E}">
+        <p14:creationId xmlns:p14="http://schemas.microsoft.com/office/powerpoint/2010/main" val="2187800456"/>
+      </p:ext>
+    </p:extLst>
+  </p:cSld>
+  <p:clrMapOvr>
+    <a:masterClrMapping/>
+  </p:clrMapOvr>
+  <p:timing>
+    <p:tnLst>
+      <p:par>
+        <p:cTn xmlns:p14="http://schemas.microsoft.com/office/powerpoint/2010/main" id="1" dur="indefinite" restart="never" nodeType="tmRoot"/>
+      </p:par>
+    </p:tnLst>
+  </p:timing>
+</p:sld>
+</file>
+
+<file path=ppt/slides/slide17.xml><?xml version="1.0" encoding="utf-8"?>
+<p:sld xmlns:a="http://schemas.openxmlformats.org/drawingml/2006/main" xmlns:r="http://schemas.openxmlformats.org/officeDocument/2006/relationships" xmlns:p="http://schemas.openxmlformats.org/presentationml/2006/main">
+  <p:cSld>
+    <p:spTree>
+      <p:nvGrpSpPr>
+        <p:cNvPr id="1" name=""/>
+        <p:cNvGrpSpPr/>
+        <p:nvPr/>
+      </p:nvGrpSpPr>
+      <p:grpSpPr>
+        <a:xfrm>
+          <a:off x="0" y="0"/>
+          <a:ext cx="0" cy="0"/>
+          <a:chOff x="0" y="0"/>
+          <a:chExt cx="0" cy="0"/>
+        </a:xfrm>
+      </p:grpSpPr>
+      <p:sp>
+        <p:nvSpPr>
+          <p:cNvPr id="2" name="Title 1"/>
+          <p:cNvSpPr>
+            <a:spLocks noGrp="1"/>
+          </p:cNvSpPr>
+          <p:nvPr>
+            <p:ph type="ctrTitle"/>
+          </p:nvPr>
+        </p:nvSpPr>
+        <p:spPr/>
+        <p:txBody>
+          <a:bodyPr/>
+          <a:lstStyle/>
+          <a:p>
+            <a:r>
+              <a:rPr lang="en-US" dirty="0" smtClean="0"/>
+              <a:t>This only scratches the surface of visualizing music trends</a:t>
+            </a:r>
+            <a:endParaRPr lang="en-US" dirty="0"/>
+          </a:p>
+        </p:txBody>
+      </p:sp>
+    </p:spTree>
+    <p:extLst>
+      <p:ext uri="{BB962C8B-B14F-4D97-AF65-F5344CB8AC3E}">
+        <p14:creationId xmlns:p14="http://schemas.microsoft.com/office/powerpoint/2010/main" val="2975914179"/>
+      </p:ext>
+    </p:extLst>
+  </p:cSld>
+  <p:clrMapOvr>
+    <a:masterClrMapping/>
+  </p:clrMapOvr>
+  <p:timing>
+    <p:tnLst>
+      <p:par>
+        <p:cTn xmlns:p14="http://schemas.microsoft.com/office/powerpoint/2010/main" id="1" dur="indefinite" restart="never" nodeType="tmRoot"/>
+      </p:par>
+    </p:tnLst>
+  </p:timing>
+</p:sld>
+</file>
+
+<file path=ppt/slides/slide18.xml><?xml version="1.0" encoding="utf-8"?>
 <p:sld xmlns:a="http://schemas.openxmlformats.org/drawingml/2006/main" xmlns:r="http://schemas.openxmlformats.org/officeDocument/2006/relationships" xmlns:p="http://schemas.openxmlformats.org/presentationml/2006/main">
   <p:cSld>
     <p:spTree>
@@ -3743,8 +3892,8 @@
         </p:nvSpPr>
         <p:spPr>
           <a:xfrm>
-            <a:off x="1317120" y="3433405"/>
-            <a:ext cx="2648081" cy="1200328"/>
+            <a:off x="1189081" y="3433405"/>
+            <a:ext cx="2904160" cy="1200328"/>
           </a:xfrm>
           <a:prstGeom prst="rect">
             <a:avLst/>
@@ -3763,8 +3912,12 @@
                 <a:latin typeface="Helvetica"/>
                 <a:cs typeface="Helvetica"/>
               </a:rPr>
-              <a:t>Audio Parameters</a:t>
-            </a:r>
+              <a:t>Musical Parameters</a:t>
+            </a:r>
+            <a:endParaRPr lang="en-US" sz="2400" dirty="0" smtClean="0">
+              <a:latin typeface="Helvetica"/>
+              <a:cs typeface="Helvetica"/>
+            </a:endParaRPr>
           </a:p>
           <a:p>
             <a:pPr algn="ctr"/>
@@ -3793,8 +3946,8 @@
         </p:nvSpPr>
         <p:spPr>
           <a:xfrm>
-            <a:off x="6075857" y="3432505"/>
-            <a:ext cx="1569660" cy="1938992"/>
+            <a:off x="5647781" y="3432505"/>
+            <a:ext cx="2425814" cy="1938992"/>
           </a:xfrm>
           <a:prstGeom prst="rect">
             <a:avLst/>
@@ -3813,8 +3966,19 @@
                 <a:latin typeface="Helvetica"/>
                 <a:cs typeface="Helvetica"/>
               </a:rPr>
+              <a:t>Album </a:t>
+            </a:r>
+            <a:r>
+              <a:rPr lang="en-US" sz="2400" dirty="0" smtClean="0">
+                <a:latin typeface="Helvetica"/>
+                <a:cs typeface="Helvetica"/>
+              </a:rPr>
               <a:t>Metadata</a:t>
             </a:r>
+            <a:endParaRPr lang="en-US" sz="2400" dirty="0" smtClean="0">
+              <a:latin typeface="Helvetica"/>
+              <a:cs typeface="Helvetica"/>
+            </a:endParaRPr>
           </a:p>
           <a:p>
             <a:pPr algn="ctr"/>
@@ -4718,10 +4882,16 @@
           <a:lstStyle/>
           <a:p>
             <a:r>
-              <a:rPr lang="en-US" dirty="0" smtClean="0"/>
+              <a:rPr lang="en-US" dirty="0" smtClean="0">
+                <a:latin typeface="Helvetica"/>
+                <a:cs typeface="Helvetica"/>
+              </a:rPr>
               <a:t>Are the older songs of these bands still the most popular? </a:t>
             </a:r>
-            <a:endParaRPr lang="en-US" dirty="0"/>
+            <a:endParaRPr lang="en-US" dirty="0">
+              <a:latin typeface="Helvetica"/>
+              <a:cs typeface="Helvetica"/>
+            </a:endParaRPr>
           </a:p>
         </p:txBody>
       </p:sp>

--- a/Kojak.pptx
+++ b/Kojak.pptx
@@ -20,9 +20,11 @@
     <p:sldId id="275" r:id="rId14"/>
     <p:sldId id="268" r:id="rId15"/>
     <p:sldId id="276" r:id="rId16"/>
-    <p:sldId id="277" r:id="rId17"/>
-    <p:sldId id="278" r:id="rId18"/>
-    <p:sldId id="266" r:id="rId19"/>
+    <p:sldId id="279" r:id="rId17"/>
+    <p:sldId id="277" r:id="rId18"/>
+    <p:sldId id="278" r:id="rId19"/>
+    <p:sldId id="280" r:id="rId20"/>
+    <p:sldId id="266" r:id="rId21"/>
   </p:sldIdLst>
   <p:sldSz cx="9144000" cy="6858000" type="screen4x3"/>
   <p:notesSz cx="6858000" cy="9144000"/>
@@ -3612,6 +3614,73 @@
       </p:grpSpPr>
       <p:pic>
         <p:nvPicPr>
+          <p:cNvPr id="2" name="Picture 1" descr="track_tempos(2).png"/>
+          <p:cNvPicPr>
+            <a:picLocks noChangeAspect="1"/>
+          </p:cNvPicPr>
+          <p:nvPr/>
+        </p:nvPicPr>
+        <p:blipFill>
+          <a:blip r:embed="rId2">
+            <a:extLst>
+              <a:ext uri="{28A0092B-C50C-407E-A947-70E740481C1C}">
+                <a14:useLocalDpi xmlns:a14="http://schemas.microsoft.com/office/drawing/2010/main" val="0"/>
+              </a:ext>
+            </a:extLst>
+          </a:blip>
+          <a:stretch>
+            <a:fillRect/>
+          </a:stretch>
+        </p:blipFill>
+        <p:spPr>
+          <a:xfrm>
+            <a:off x="0" y="0"/>
+            <a:ext cx="9144000" cy="6400800"/>
+          </a:xfrm>
+          <a:prstGeom prst="rect">
+            <a:avLst/>
+          </a:prstGeom>
+        </p:spPr>
+      </p:pic>
+    </p:spTree>
+    <p:extLst>
+      <p:ext uri="{BB962C8B-B14F-4D97-AF65-F5344CB8AC3E}">
+        <p14:creationId xmlns:p14="http://schemas.microsoft.com/office/powerpoint/2010/main" val="1526105459"/>
+      </p:ext>
+    </p:extLst>
+  </p:cSld>
+  <p:clrMapOvr>
+    <a:masterClrMapping/>
+  </p:clrMapOvr>
+  <p:timing>
+    <p:tnLst>
+      <p:par>
+        <p:cTn xmlns:p14="http://schemas.microsoft.com/office/powerpoint/2010/main" id="1" dur="indefinite" restart="never" nodeType="tmRoot"/>
+      </p:par>
+    </p:tnLst>
+  </p:timing>
+</p:sld>
+</file>
+
+<file path=ppt/slides/slide17.xml><?xml version="1.0" encoding="utf-8"?>
+<p:sld xmlns:a="http://schemas.openxmlformats.org/drawingml/2006/main" xmlns:r="http://schemas.openxmlformats.org/officeDocument/2006/relationships" xmlns:p="http://schemas.openxmlformats.org/presentationml/2006/main">
+  <p:cSld>
+    <p:spTree>
+      <p:nvGrpSpPr>
+        <p:cNvPr id="1" name=""/>
+        <p:cNvGrpSpPr/>
+        <p:nvPr/>
+      </p:nvGrpSpPr>
+      <p:grpSpPr>
+        <a:xfrm>
+          <a:off x="0" y="0"/>
+          <a:ext cx="0" cy="0"/>
+          <a:chOff x="0" y="0"/>
+          <a:chExt cx="0" cy="0"/>
+        </a:xfrm>
+      </p:grpSpPr>
+      <p:pic>
+        <p:nvPicPr>
           <p:cNvPr id="3" name="Picture 2" descr="track_tempos(1).png"/>
           <p:cNvPicPr>
             <a:picLocks noChangeAspect="1"/>
@@ -3660,7 +3729,7 @@
 </p:sld>
 </file>
 
-<file path=ppt/slides/slide17.xml><?xml version="1.0" encoding="utf-8"?>
+<file path=ppt/slides/slide18.xml><?xml version="1.0" encoding="utf-8"?>
 <p:sld xmlns:a="http://schemas.openxmlformats.org/drawingml/2006/main" xmlns:r="http://schemas.openxmlformats.org/officeDocument/2006/relationships" xmlns:p="http://schemas.openxmlformats.org/presentationml/2006/main">
   <p:cSld>
     <p:spTree>
@@ -3720,7 +3789,138 @@
 </p:sld>
 </file>
 
-<file path=ppt/slides/slide18.xml><?xml version="1.0" encoding="utf-8"?>
+<file path=ppt/slides/slide19.xml><?xml version="1.0" encoding="utf-8"?>
+<p:sld xmlns:a="http://schemas.openxmlformats.org/drawingml/2006/main" xmlns:r="http://schemas.openxmlformats.org/officeDocument/2006/relationships" xmlns:p="http://schemas.openxmlformats.org/presentationml/2006/main">
+  <p:cSld>
+    <p:spTree>
+      <p:nvGrpSpPr>
+        <p:cNvPr id="1" name=""/>
+        <p:cNvGrpSpPr/>
+        <p:nvPr/>
+      </p:nvGrpSpPr>
+      <p:grpSpPr>
+        <a:xfrm>
+          <a:off x="0" y="0"/>
+          <a:ext cx="0" cy="0"/>
+          <a:chOff x="0" y="0"/>
+          <a:chExt cx="0" cy="0"/>
+        </a:xfrm>
+      </p:grpSpPr>
+      <p:sp>
+        <p:nvSpPr>
+          <p:cNvPr id="3" name="Subtitle 2"/>
+          <p:cNvSpPr>
+            <a:spLocks noGrp="1"/>
+          </p:cNvSpPr>
+          <p:nvPr>
+            <p:ph type="subTitle" idx="1"/>
+          </p:nvPr>
+        </p:nvSpPr>
+        <p:spPr/>
+        <p:txBody>
+          <a:bodyPr/>
+          <a:lstStyle/>
+          <a:p>
+            <a:r>
+              <a:rPr lang="en-US" dirty="0"/>
+              <a:t>https://</a:t>
+            </a:r>
+            <a:r>
+              <a:rPr lang="en-US" dirty="0" err="1"/>
+              <a:t>plot.ly</a:t>
+            </a:r>
+            <a:r>
+              <a:rPr lang="en-US" dirty="0"/>
+              <a:t>/16/~</a:t>
+            </a:r>
+            <a:r>
+              <a:rPr lang="en-US" dirty="0" err="1"/>
+              <a:t>idcrane</a:t>
+            </a:r>
+            <a:r>
+              <a:rPr lang="en-US" dirty="0"/>
+              <a:t>/#</a:t>
+            </a:r>
+            <a:endParaRPr lang="en-US" dirty="0"/>
+          </a:p>
+        </p:txBody>
+      </p:sp>
+    </p:spTree>
+    <p:extLst>
+      <p:ext uri="{BB962C8B-B14F-4D97-AF65-F5344CB8AC3E}">
+        <p14:creationId xmlns:p14="http://schemas.microsoft.com/office/powerpoint/2010/main" val="2698160483"/>
+      </p:ext>
+    </p:extLst>
+  </p:cSld>
+  <p:clrMapOvr>
+    <a:masterClrMapping/>
+  </p:clrMapOvr>
+</p:sld>
+</file>
+
+<file path=ppt/slides/slide2.xml><?xml version="1.0" encoding="utf-8"?>
+<p:sld xmlns:a="http://schemas.openxmlformats.org/drawingml/2006/main" xmlns:r="http://schemas.openxmlformats.org/officeDocument/2006/relationships" xmlns:p="http://schemas.openxmlformats.org/presentationml/2006/main">
+  <p:cSld>
+    <p:spTree>
+      <p:nvGrpSpPr>
+        <p:cNvPr id="1" name=""/>
+        <p:cNvGrpSpPr/>
+        <p:nvPr/>
+      </p:nvGrpSpPr>
+      <p:grpSpPr>
+        <a:xfrm>
+          <a:off x="0" y="0"/>
+          <a:ext cx="0" cy="0"/>
+          <a:chOff x="0" y="0"/>
+          <a:chExt cx="0" cy="0"/>
+        </a:xfrm>
+      </p:grpSpPr>
+      <p:sp>
+        <p:nvSpPr>
+          <p:cNvPr id="2" name="Title 1"/>
+          <p:cNvSpPr>
+            <a:spLocks noGrp="1"/>
+          </p:cNvSpPr>
+          <p:nvPr>
+            <p:ph type="ctrTitle"/>
+          </p:nvPr>
+        </p:nvSpPr>
+        <p:spPr/>
+        <p:txBody>
+          <a:bodyPr>
+            <a:normAutofit fontScale="90000"/>
+          </a:bodyPr>
+          <a:lstStyle/>
+          <a:p>
+            <a:r>
+              <a:rPr lang="en-US" sz="6000" dirty="0" smtClean="0"/>
+              <a:t>Visualizing Trends in Music</a:t>
+            </a:r>
+            <a:endParaRPr lang="en-US" sz="6000" dirty="0"/>
+          </a:p>
+        </p:txBody>
+      </p:sp>
+    </p:spTree>
+    <p:extLst>
+      <p:ext uri="{BB962C8B-B14F-4D97-AF65-F5344CB8AC3E}">
+        <p14:creationId xmlns:p14="http://schemas.microsoft.com/office/powerpoint/2010/main" val="520699668"/>
+      </p:ext>
+    </p:extLst>
+  </p:cSld>
+  <p:clrMapOvr>
+    <a:masterClrMapping/>
+  </p:clrMapOvr>
+  <p:timing>
+    <p:tnLst>
+      <p:par>
+        <p:cTn xmlns:p14="http://schemas.microsoft.com/office/powerpoint/2010/main" id="1" dur="indefinite" restart="never" nodeType="tmRoot"/>
+      </p:par>
+    </p:tnLst>
+  </p:timing>
+</p:sld>
+</file>
+
+<file path=ppt/slides/slide20.xml><?xml version="1.0" encoding="utf-8"?>
 <p:sld xmlns:a="http://schemas.openxmlformats.org/drawingml/2006/main" xmlns:r="http://schemas.openxmlformats.org/officeDocument/2006/relationships" xmlns:p="http://schemas.openxmlformats.org/presentationml/2006/main">
   <p:cSld>
     <p:spTree>
@@ -3741,68 +3941,6 @@
     <p:extLst>
       <p:ext uri="{BB962C8B-B14F-4D97-AF65-F5344CB8AC3E}">
         <p14:creationId xmlns:p14="http://schemas.microsoft.com/office/powerpoint/2010/main" val="4014527610"/>
-      </p:ext>
-    </p:extLst>
-  </p:cSld>
-  <p:clrMapOvr>
-    <a:masterClrMapping/>
-  </p:clrMapOvr>
-  <p:timing>
-    <p:tnLst>
-      <p:par>
-        <p:cTn xmlns:p14="http://schemas.microsoft.com/office/powerpoint/2010/main" id="1" dur="indefinite" restart="never" nodeType="tmRoot"/>
-      </p:par>
-    </p:tnLst>
-  </p:timing>
-</p:sld>
-</file>
-
-<file path=ppt/slides/slide2.xml><?xml version="1.0" encoding="utf-8"?>
-<p:sld xmlns:a="http://schemas.openxmlformats.org/drawingml/2006/main" xmlns:r="http://schemas.openxmlformats.org/officeDocument/2006/relationships" xmlns:p="http://schemas.openxmlformats.org/presentationml/2006/main">
-  <p:cSld>
-    <p:spTree>
-      <p:nvGrpSpPr>
-        <p:cNvPr id="1" name=""/>
-        <p:cNvGrpSpPr/>
-        <p:nvPr/>
-      </p:nvGrpSpPr>
-      <p:grpSpPr>
-        <a:xfrm>
-          <a:off x="0" y="0"/>
-          <a:ext cx="0" cy="0"/>
-          <a:chOff x="0" y="0"/>
-          <a:chExt cx="0" cy="0"/>
-        </a:xfrm>
-      </p:grpSpPr>
-      <p:sp>
-        <p:nvSpPr>
-          <p:cNvPr id="2" name="Title 1"/>
-          <p:cNvSpPr>
-            <a:spLocks noGrp="1"/>
-          </p:cNvSpPr>
-          <p:nvPr>
-            <p:ph type="ctrTitle"/>
-          </p:nvPr>
-        </p:nvSpPr>
-        <p:spPr/>
-        <p:txBody>
-          <a:bodyPr>
-            <a:normAutofit fontScale="90000"/>
-          </a:bodyPr>
-          <a:lstStyle/>
-          <a:p>
-            <a:r>
-              <a:rPr lang="en-US" sz="6000" dirty="0" smtClean="0"/>
-              <a:t>Visualizing Trends in Music</a:t>
-            </a:r>
-            <a:endParaRPr lang="en-US" sz="6000" dirty="0"/>
-          </a:p>
-        </p:txBody>
-      </p:sp>
-    </p:spTree>
-    <p:extLst>
-      <p:ext uri="{BB962C8B-B14F-4D97-AF65-F5344CB8AC3E}">
-        <p14:creationId xmlns:p14="http://schemas.microsoft.com/office/powerpoint/2010/main" val="520699668"/>
       </p:ext>
     </p:extLst>
   </p:cSld>
@@ -3914,10 +4052,6 @@
               </a:rPr>
               <a:t>Musical Parameters</a:t>
             </a:r>
-            <a:endParaRPr lang="en-US" sz="2400" dirty="0" smtClean="0">
-              <a:latin typeface="Helvetica"/>
-              <a:cs typeface="Helvetica"/>
-            </a:endParaRPr>
           </a:p>
           <a:p>
             <a:pPr algn="ctr"/>
@@ -3966,19 +4100,8 @@
                 <a:latin typeface="Helvetica"/>
                 <a:cs typeface="Helvetica"/>
               </a:rPr>
-              <a:t>Album </a:t>
-            </a:r>
-            <a:r>
-              <a:rPr lang="en-US" sz="2400" dirty="0" smtClean="0">
-                <a:latin typeface="Helvetica"/>
-                <a:cs typeface="Helvetica"/>
-              </a:rPr>
-              <a:t>Metadata</a:t>
-            </a:r>
-            <a:endParaRPr lang="en-US" sz="2400" dirty="0" smtClean="0">
-              <a:latin typeface="Helvetica"/>
-              <a:cs typeface="Helvetica"/>
-            </a:endParaRPr>
+              <a:t>Album Metadata</a:t>
+            </a:r>
           </a:p>
           <a:p>
             <a:pPr algn="ctr"/>
